--- a/Docs/Transição CG.pptx
+++ b/Docs/Transição CG.pptx
@@ -22850,7 +22850,7 @@
         <p:spPr>
           <a:xfrm>
             <a:off x="2357422" y="0"/>
-            <a:ext cx="6643734" cy="1292662"/>
+            <a:ext cx="6643734" cy="1600438"/>
           </a:xfrm>
           <a:prstGeom prst="rect">
             <a:avLst/>
@@ -22971,7 +22971,7 @@
               <a:rPr lang="pt-BR" sz="2000" dirty="0" smtClean="0">
                 <a:latin typeface="Arial Narrow" pitchFamily="34" charset="0"/>
               </a:rPr>
-              <a:t>Alinhamento de medição de SLA para dados de regulação médica</a:t>
+              <a:t>Finalização de módulo de consignação do executivo e integração com RH Bahia</a:t>
             </a:r>
           </a:p>
           <a:p>
@@ -23160,7 +23160,7 @@
         <p:spPr>
           <a:xfrm>
             <a:off x="142844" y="1285864"/>
-            <a:ext cx="6643734" cy="1015663"/>
+            <a:ext cx="6643734" cy="738664"/>
           </a:xfrm>
           <a:prstGeom prst="rect">
             <a:avLst/>
@@ -23275,7 +23275,7 @@
               <a:rPr lang="pt-BR" sz="1400" dirty="0" smtClean="0">
                 <a:latin typeface="Arial Narrow" pitchFamily="34" charset="0"/>
               </a:rPr>
-              <a:t> Divergência significativa nas medições dos indicadores abaixo, Nov/2018</a:t>
+              <a:t>  Integração composta por 3 interações (Arquivo de base de cálculo, Arquivo de contribuição, Arquivo de retorno de folha)</a:t>
             </a:r>
           </a:p>
           <a:p>
@@ -23293,175 +23293,7 @@
               <a:rPr lang="pt-BR" sz="1400" dirty="0" smtClean="0">
                 <a:latin typeface="Arial Narrow" pitchFamily="34" charset="0"/>
               </a:rPr>
-              <a:t>Alinhamento em 14/12/18</a:t>
-            </a:r>
-          </a:p>
-          <a:p>
-            <a:pPr algn="just">
-              <a:buFont typeface="Arial" pitchFamily="34" charset="0"/>
-              <a:buChar char="•"/>
-            </a:pPr>
-            <a:r>
-              <a:rPr lang="pt-BR" sz="1400" dirty="0" smtClean="0">
-                <a:latin typeface="Arial Narrow" pitchFamily="34" charset="0"/>
-              </a:rPr>
-              <a:t> </a:t>
-            </a:r>
-            <a:r>
-              <a:rPr lang="pt-BR" sz="1400" dirty="0" smtClean="0">
-                <a:latin typeface="Arial Narrow" pitchFamily="34" charset="0"/>
-              </a:rPr>
-              <a:t>Ofício informando sobre expectativa de alinhamento ou será considerada a medição do </a:t>
-            </a:r>
-            <a:r>
-              <a:rPr lang="pt-BR" sz="1400" dirty="0" err="1" smtClean="0">
-                <a:latin typeface="Arial Narrow" pitchFamily="34" charset="0"/>
-              </a:rPr>
-              <a:t>Planserv</a:t>
-            </a:r>
-            <a:endParaRPr lang="pt-BR" sz="1400" dirty="0">
-              <a:latin typeface="Arial Narrow" pitchFamily="34" charset="0"/>
-            </a:endParaRPr>
-          </a:p>
-          <a:p>
-            <a:pPr algn="r"/>
-            <a:endParaRPr lang="pt-BR" dirty="0"/>
-          </a:p>
-        </p:txBody>
-      </p:sp>
-      <p:pic>
-        <p:nvPicPr>
-          <p:cNvPr id="22532" name="Picture 4"/>
-          <p:cNvPicPr>
-            <a:picLocks noChangeAspect="1" noChangeArrowheads="1"/>
-          </p:cNvPicPr>
-          <p:nvPr/>
-        </p:nvPicPr>
-        <p:blipFill>
-          <a:blip r:embed="rId3"/>
-          <a:srcRect/>
-          <a:stretch>
-            <a:fillRect/>
-          </a:stretch>
-        </p:blipFill>
-        <p:spPr bwMode="auto">
-          <a:xfrm>
-            <a:off x="3357554" y="4000508"/>
-            <a:ext cx="4071966" cy="1383078"/>
-          </a:xfrm>
-          <a:prstGeom prst="rect">
-            <a:avLst/>
-          </a:prstGeom>
-          <a:noFill/>
-          <a:ln w="9525">
-            <a:noFill/>
-            <a:miter lim="800000"/>
-            <a:headEnd/>
-            <a:tailEnd/>
-          </a:ln>
-          <a:effectLst/>
-        </p:spPr>
-      </p:pic>
-      <p:pic>
-        <p:nvPicPr>
-          <p:cNvPr id="22533" name="Picture 5"/>
-          <p:cNvPicPr>
-            <a:picLocks noChangeAspect="1" noChangeArrowheads="1"/>
-          </p:cNvPicPr>
-          <p:nvPr/>
-        </p:nvPicPr>
-        <p:blipFill>
-          <a:blip r:embed="rId4"/>
-          <a:srcRect/>
-          <a:stretch>
-            <a:fillRect/>
-          </a:stretch>
-        </p:blipFill>
-        <p:spPr bwMode="auto">
-          <a:xfrm>
-            <a:off x="2786050" y="2285996"/>
-            <a:ext cx="5214974" cy="1424856"/>
-          </a:xfrm>
-          <a:prstGeom prst="rect">
-            <a:avLst/>
-          </a:prstGeom>
-          <a:noFill/>
-          <a:ln w="9525">
-            <a:noFill/>
-            <a:miter lim="800000"/>
-            <a:headEnd/>
-            <a:tailEnd/>
-          </a:ln>
-          <a:effectLst/>
-        </p:spPr>
-      </p:pic>
-      <p:cxnSp>
-        <p:nvCxnSpPr>
-          <p:cNvPr id="20" name="Conector reto 19"/>
-          <p:cNvCxnSpPr/>
-          <p:nvPr/>
-        </p:nvCxnSpPr>
-        <p:spPr>
-          <a:xfrm>
-            <a:off x="0" y="3786194"/>
-            <a:ext cx="9144000" cy="1588"/>
-          </a:xfrm>
-          <a:prstGeom prst="line">
-            <a:avLst/>
-          </a:prstGeom>
-          <a:ln w="34925" cap="rnd">
-            <a:solidFill>
-              <a:srgbClr val="FF0000">
-                <a:alpha val="64000"/>
-              </a:srgbClr>
-            </a:solidFill>
-            <a:prstDash val="solid"/>
-          </a:ln>
-        </p:spPr>
-        <p:style>
-          <a:lnRef idx="1">
-            <a:schemeClr val="accent1"/>
-          </a:lnRef>
-          <a:fillRef idx="0">
-            <a:schemeClr val="accent1"/>
-          </a:fillRef>
-          <a:effectRef idx="0">
-            <a:schemeClr val="accent1"/>
-          </a:effectRef>
-          <a:fontRef idx="minor">
-            <a:schemeClr val="tx1"/>
-          </a:fontRef>
-        </p:style>
-      </p:cxnSp>
-      <p:sp>
-        <p:nvSpPr>
-          <p:cNvPr id="21" name="CaixaDeTexto 20"/>
-          <p:cNvSpPr txBox="1"/>
-          <p:nvPr/>
-        </p:nvSpPr>
-        <p:spPr>
-          <a:xfrm>
-            <a:off x="214282" y="2643186"/>
-            <a:ext cx="1148584" cy="369332"/>
-          </a:xfrm>
-          <a:prstGeom prst="rect">
-            <a:avLst/>
-          </a:prstGeom>
-          <a:noFill/>
-        </p:spPr>
-        <p:txBody>
-          <a:bodyPr wrap="none" rtlCol="0">
-            <a:spAutoFit/>
-          </a:bodyPr>
-          <a:lstStyle/>
-          <a:p>
-            <a:r>
-              <a:rPr lang="pt-BR" dirty="0" err="1" smtClean="0"/>
-              <a:t>Planserv</a:t>
-            </a:r>
-            <a:r>
-              <a:rPr lang="pt-BR" dirty="0" smtClean="0"/>
-              <a:t> &gt;</a:t>
+              <a:t> Arquivo de contribuição disponibilizado para testes</a:t>
             </a:r>
             <a:endParaRPr lang="pt-BR" dirty="0"/>
           </a:p>
@@ -23469,35 +23301,81 @@
       </p:sp>
       <p:sp>
         <p:nvSpPr>
-          <p:cNvPr id="22" name="CaixaDeTexto 21"/>
-          <p:cNvSpPr txBox="1"/>
+          <p:cNvPr id="17" name="Retângulo 16"/>
+          <p:cNvSpPr/>
           <p:nvPr/>
         </p:nvSpPr>
         <p:spPr>
           <a:xfrm>
-            <a:off x="214282" y="4429136"/>
-            <a:ext cx="1276503" cy="369332"/>
+            <a:off x="571472" y="2357434"/>
+            <a:ext cx="1428760" cy="642942"/>
           </a:xfrm>
           <a:prstGeom prst="rect">
             <a:avLst/>
           </a:prstGeom>
-          <a:noFill/>
         </p:spPr>
+        <p:style>
+          <a:lnRef idx="2">
+            <a:schemeClr val="accent1">
+              <a:shade val="50000"/>
+            </a:schemeClr>
+          </a:lnRef>
+          <a:fillRef idx="1">
+            <a:schemeClr val="accent1"/>
+          </a:fillRef>
+          <a:effectRef idx="0">
+            <a:schemeClr val="accent1"/>
+          </a:effectRef>
+          <a:fontRef idx="minor">
+            <a:schemeClr val="lt1"/>
+          </a:fontRef>
+        </p:style>
         <p:txBody>
-          <a:bodyPr wrap="none" rtlCol="0">
-            <a:spAutoFit/>
-          </a:bodyPr>
+          <a:bodyPr rtlCol="0" anchor="ctr"/>
           <a:lstStyle/>
           <a:p>
-            <a:r>
-              <a:rPr lang="pt-BR" dirty="0" err="1" smtClean="0"/>
-              <a:t>Qualirede</a:t>
-            </a:r>
-            <a:r>
-              <a:rPr lang="pt-BR" dirty="0" smtClean="0"/>
-              <a:t> &gt;</a:t>
-            </a:r>
-            <a:endParaRPr lang="pt-BR" dirty="0"/>
+            <a:pPr algn="ctr"/>
+            <a:endParaRPr lang="pt-BR"/>
+          </a:p>
+        </p:txBody>
+      </p:sp>
+      <p:sp>
+        <p:nvSpPr>
+          <p:cNvPr id="18" name="Retângulo 17"/>
+          <p:cNvSpPr/>
+          <p:nvPr/>
+        </p:nvSpPr>
+        <p:spPr>
+          <a:xfrm>
+            <a:off x="2428860" y="2428872"/>
+            <a:ext cx="1571636" cy="785818"/>
+          </a:xfrm>
+          <a:prstGeom prst="rect">
+            <a:avLst/>
+          </a:prstGeom>
+        </p:spPr>
+        <p:style>
+          <a:lnRef idx="2">
+            <a:schemeClr val="accent1">
+              <a:shade val="50000"/>
+            </a:schemeClr>
+          </a:lnRef>
+          <a:fillRef idx="1">
+            <a:schemeClr val="accent1"/>
+          </a:fillRef>
+          <a:effectRef idx="0">
+            <a:schemeClr val="accent1"/>
+          </a:effectRef>
+          <a:fontRef idx="minor">
+            <a:schemeClr val="lt1"/>
+          </a:fontRef>
+        </p:style>
+        <p:txBody>
+          <a:bodyPr rtlCol="0" anchor="ctr"/>
+          <a:lstStyle/>
+          <a:p>
+            <a:pPr algn="ctr"/>
+            <a:endParaRPr lang="pt-BR"/>
           </a:p>
         </p:txBody>
       </p:sp>
